--- a/2025_ASSESSMENT/RUSSIAN_MODELS/REPORT_FILES/Model_Comparison_Summary.pptx
+++ b/2025_ASSESSMENT/RUSSIAN_MODELS/REPORT_FILES/Model_Comparison_Summary.pptx
@@ -18,8 +18,6 @@
     <p:sldId id="269" r:id="rId12"/>
     <p:sldId id="270" r:id="rId13"/>
     <p:sldId id="271" r:id="rId14"/>
-    <p:sldId id="272" r:id="rId15"/>
-    <p:sldId id="273" r:id="rId16"/>
   </p:sldIdLst>
   <p:sldSz cx="9144000" cy="6858000" type="screen4x3"/>
   <p:notesSz cx="6858000" cy="9144000"/>
@@ -316,7 +314,7 @@
           <a:p>
             <a:fld id="{5BCAD085-E8A6-8845-BD4E-CB4CCA059FC4}" type="datetimeFigureOut">
               <a:rPr lang="en-US" smtClean="0"/>
-              <a:t>8/25/2025</a:t>
+              <a:t>8/26/2025</a:t>
             </a:fld>
             <a:endParaRPr lang="en-US"/>
           </a:p>
@@ -484,7 +482,7 @@
           <a:p>
             <a:fld id="{5BCAD085-E8A6-8845-BD4E-CB4CCA059FC4}" type="datetimeFigureOut">
               <a:rPr lang="en-US" smtClean="0"/>
-              <a:t>8/25/2025</a:t>
+              <a:t>8/26/2025</a:t>
             </a:fld>
             <a:endParaRPr lang="en-US"/>
           </a:p>
@@ -662,7 +660,7 @@
           <a:p>
             <a:fld id="{5BCAD085-E8A6-8845-BD4E-CB4CCA059FC4}" type="datetimeFigureOut">
               <a:rPr lang="en-US" smtClean="0"/>
-              <a:t>8/25/2025</a:t>
+              <a:t>8/26/2025</a:t>
             </a:fld>
             <a:endParaRPr lang="en-US"/>
           </a:p>
@@ -830,7 +828,7 @@
           <a:p>
             <a:fld id="{5BCAD085-E8A6-8845-BD4E-CB4CCA059FC4}" type="datetimeFigureOut">
               <a:rPr lang="en-US" smtClean="0"/>
-              <a:t>8/25/2025</a:t>
+              <a:t>8/26/2025</a:t>
             </a:fld>
             <a:endParaRPr lang="en-US"/>
           </a:p>
@@ -1075,7 +1073,7 @@
           <a:p>
             <a:fld id="{5BCAD085-E8A6-8845-BD4E-CB4CCA059FC4}" type="datetimeFigureOut">
               <a:rPr lang="en-US" smtClean="0"/>
-              <a:t>8/25/2025</a:t>
+              <a:t>8/26/2025</a:t>
             </a:fld>
             <a:endParaRPr lang="en-US"/>
           </a:p>
@@ -1360,7 +1358,7 @@
           <a:p>
             <a:fld id="{5BCAD085-E8A6-8845-BD4E-CB4CCA059FC4}" type="datetimeFigureOut">
               <a:rPr lang="en-US" smtClean="0"/>
-              <a:t>8/25/2025</a:t>
+              <a:t>8/26/2025</a:t>
             </a:fld>
             <a:endParaRPr lang="en-US"/>
           </a:p>
@@ -1779,7 +1777,7 @@
           <a:p>
             <a:fld id="{5BCAD085-E8A6-8845-BD4E-CB4CCA059FC4}" type="datetimeFigureOut">
               <a:rPr lang="en-US" smtClean="0"/>
-              <a:t>8/25/2025</a:t>
+              <a:t>8/26/2025</a:t>
             </a:fld>
             <a:endParaRPr lang="en-US"/>
           </a:p>
@@ -1896,7 +1894,7 @@
           <a:p>
             <a:fld id="{5BCAD085-E8A6-8845-BD4E-CB4CCA059FC4}" type="datetimeFigureOut">
               <a:rPr lang="en-US" smtClean="0"/>
-              <a:t>8/25/2025</a:t>
+              <a:t>8/26/2025</a:t>
             </a:fld>
             <a:endParaRPr lang="en-US"/>
           </a:p>
@@ -1991,7 +1989,7 @@
           <a:p>
             <a:fld id="{5BCAD085-E8A6-8845-BD4E-CB4CCA059FC4}" type="datetimeFigureOut">
               <a:rPr lang="en-US" smtClean="0"/>
-              <a:t>8/25/2025</a:t>
+              <a:t>8/26/2025</a:t>
             </a:fld>
             <a:endParaRPr lang="en-US"/>
           </a:p>
@@ -2266,7 +2264,7 @@
           <a:p>
             <a:fld id="{5BCAD085-E8A6-8845-BD4E-CB4CCA059FC4}" type="datetimeFigureOut">
               <a:rPr lang="en-US" smtClean="0"/>
-              <a:t>8/25/2025</a:t>
+              <a:t>8/26/2025</a:t>
             </a:fld>
             <a:endParaRPr lang="en-US"/>
           </a:p>
@@ -2518,7 +2516,7 @@
           <a:p>
             <a:fld id="{5BCAD085-E8A6-8845-BD4E-CB4CCA059FC4}" type="datetimeFigureOut">
               <a:rPr lang="en-US" smtClean="0"/>
-              <a:t>8/25/2025</a:t>
+              <a:t>8/26/2025</a:t>
             </a:fld>
             <a:endParaRPr lang="en-US"/>
           </a:p>
@@ -2729,7 +2727,7 @@
           <a:p>
             <a:fld id="{5BCAD085-E8A6-8845-BD4E-CB4CCA059FC4}" type="datetimeFigureOut">
               <a:rPr lang="en-US" smtClean="0"/>
-              <a:t>8/25/2025</a:t>
+              <a:t>8/26/2025</a:t>
             </a:fld>
             <a:endParaRPr lang="en-US"/>
           </a:p>
@@ -3492,116 +3490,6 @@
     <p:extLst>
       <p:ext uri="{BB962C8B-B14F-4D97-AF65-F5344CB8AC3E}">
         <p14:creationId xmlns:p14="http://schemas.microsoft.com/office/powerpoint/2010/main" val="2216824968"/>
-      </p:ext>
-    </p:extLst>
-  </p:cSld>
-  <p:clrMapOvr>
-    <a:masterClrMapping/>
-  </p:clrMapOvr>
-</p:sld>
-</file>
-
-<file path=ppt/slides/slide14.xml><?xml version="1.0" encoding="utf-8"?>
-<p:sld xmlns:a="http://schemas.openxmlformats.org/drawingml/2006/main" xmlns:r="http://schemas.openxmlformats.org/officeDocument/2006/relationships" xmlns:p="http://schemas.openxmlformats.org/presentationml/2006/main">
-  <p:cSld>
-    <p:spTree>
-      <p:nvGrpSpPr>
-        <p:cNvPr id="1" name=""/>
-        <p:cNvGrpSpPr/>
-        <p:nvPr/>
-      </p:nvGrpSpPr>
-      <p:grpSpPr>
-        <a:xfrm>
-          <a:off x="0" y="0"/>
-          <a:ext cx="0" cy="0"/>
-          <a:chOff x="0" y="0"/>
-          <a:chExt cx="0" cy="0"/>
-        </a:xfrm>
-      </p:grpSpPr>
-      <p:sp>
-        <p:nvSpPr>
-          <p:cNvPr id="2" name="Title 1">
-            <a:extLst>
-              <a:ext uri="{FF2B5EF4-FFF2-40B4-BE49-F238E27FC236}">
-                <a16:creationId xmlns:a16="http://schemas.microsoft.com/office/drawing/2014/main" id="{2FC20308-E376-4B31-A93E-38C61BD10A6E}"/>
-              </a:ext>
-            </a:extLst>
-          </p:cNvPr>
-          <p:cNvSpPr>
-            <a:spLocks noGrp="1"/>
-          </p:cNvSpPr>
-          <p:nvPr>
-            <p:ph type="title"/>
-          </p:nvPr>
-        </p:nvSpPr>
-        <p:spPr/>
-        <p:txBody>
-          <a:bodyPr/>
-          <a:lstStyle/>
-          <a:p>
-            <a:endParaRPr lang="en-US"/>
-          </a:p>
-        </p:txBody>
-      </p:sp>
-    </p:spTree>
-    <p:extLst>
-      <p:ext uri="{BB962C8B-B14F-4D97-AF65-F5344CB8AC3E}">
-        <p14:creationId xmlns:p14="http://schemas.microsoft.com/office/powerpoint/2010/main" val="706026987"/>
-      </p:ext>
-    </p:extLst>
-  </p:cSld>
-  <p:clrMapOvr>
-    <a:masterClrMapping/>
-  </p:clrMapOvr>
-</p:sld>
-</file>
-
-<file path=ppt/slides/slide15.xml><?xml version="1.0" encoding="utf-8"?>
-<p:sld xmlns:a="http://schemas.openxmlformats.org/drawingml/2006/main" xmlns:r="http://schemas.openxmlformats.org/officeDocument/2006/relationships" xmlns:p="http://schemas.openxmlformats.org/presentationml/2006/main">
-  <p:cSld>
-    <p:spTree>
-      <p:nvGrpSpPr>
-        <p:cNvPr id="1" name=""/>
-        <p:cNvGrpSpPr/>
-        <p:nvPr/>
-      </p:nvGrpSpPr>
-      <p:grpSpPr>
-        <a:xfrm>
-          <a:off x="0" y="0"/>
-          <a:ext cx="0" cy="0"/>
-          <a:chOff x="0" y="0"/>
-          <a:chExt cx="0" cy="0"/>
-        </a:xfrm>
-      </p:grpSpPr>
-      <p:sp>
-        <p:nvSpPr>
-          <p:cNvPr id="2" name="Title 1">
-            <a:extLst>
-              <a:ext uri="{FF2B5EF4-FFF2-40B4-BE49-F238E27FC236}">
-                <a16:creationId xmlns:a16="http://schemas.microsoft.com/office/drawing/2014/main" id="{2A503F39-6156-4A94-A2CC-6FB58B75F09F}"/>
-              </a:ext>
-            </a:extLst>
-          </p:cNvPr>
-          <p:cNvSpPr>
-            <a:spLocks noGrp="1"/>
-          </p:cNvSpPr>
-          <p:nvPr>
-            <p:ph type="title"/>
-          </p:nvPr>
-        </p:nvSpPr>
-        <p:spPr/>
-        <p:txBody>
-          <a:bodyPr/>
-          <a:lstStyle/>
-          <a:p>
-            <a:endParaRPr lang="en-US"/>
-          </a:p>
-        </p:txBody>
-      </p:sp>
-    </p:spTree>
-    <p:extLst>
-      <p:ext uri="{BB962C8B-B14F-4D97-AF65-F5344CB8AC3E}">
-        <p14:creationId xmlns:p14="http://schemas.microsoft.com/office/powerpoint/2010/main" val="676888349"/>
       </p:ext>
     </p:extLst>
   </p:cSld>

--- a/2025_ASSESSMENT/RUSSIAN_MODELS/REPORT_FILES/Model_Comparison_Summary.pptx
+++ b/2025_ASSESSMENT/RUSSIAN_MODELS/REPORT_FILES/Model_Comparison_Summary.pptx
@@ -12,12 +12,8 @@
     <p:sldId id="262" r:id="rId6"/>
     <p:sldId id="265" r:id="rId7"/>
     <p:sldId id="258" r:id="rId8"/>
-    <p:sldId id="260" r:id="rId9"/>
-    <p:sldId id="261" r:id="rId10"/>
-    <p:sldId id="268" r:id="rId11"/>
-    <p:sldId id="269" r:id="rId12"/>
-    <p:sldId id="270" r:id="rId13"/>
-    <p:sldId id="271" r:id="rId14"/>
+    <p:sldId id="269" r:id="rId9"/>
+    <p:sldId id="271" r:id="rId10"/>
   </p:sldIdLst>
   <p:sldSz cx="9144000" cy="6858000" type="screen4x3"/>
   <p:notesSz cx="6858000" cy="9144000"/>
@@ -314,7 +310,7 @@
           <a:p>
             <a:fld id="{5BCAD085-E8A6-8845-BD4E-CB4CCA059FC4}" type="datetimeFigureOut">
               <a:rPr lang="en-US" smtClean="0"/>
-              <a:t>8/26/2025</a:t>
+              <a:t>8/29/2025</a:t>
             </a:fld>
             <a:endParaRPr lang="en-US"/>
           </a:p>
@@ -482,7 +478,7 @@
           <a:p>
             <a:fld id="{5BCAD085-E8A6-8845-BD4E-CB4CCA059FC4}" type="datetimeFigureOut">
               <a:rPr lang="en-US" smtClean="0"/>
-              <a:t>8/26/2025</a:t>
+              <a:t>8/29/2025</a:t>
             </a:fld>
             <a:endParaRPr lang="en-US"/>
           </a:p>
@@ -660,7 +656,7 @@
           <a:p>
             <a:fld id="{5BCAD085-E8A6-8845-BD4E-CB4CCA059FC4}" type="datetimeFigureOut">
               <a:rPr lang="en-US" smtClean="0"/>
-              <a:t>8/26/2025</a:t>
+              <a:t>8/29/2025</a:t>
             </a:fld>
             <a:endParaRPr lang="en-US"/>
           </a:p>
@@ -828,7 +824,7 @@
           <a:p>
             <a:fld id="{5BCAD085-E8A6-8845-BD4E-CB4CCA059FC4}" type="datetimeFigureOut">
               <a:rPr lang="en-US" smtClean="0"/>
-              <a:t>8/26/2025</a:t>
+              <a:t>8/29/2025</a:t>
             </a:fld>
             <a:endParaRPr lang="en-US"/>
           </a:p>
@@ -1073,7 +1069,7 @@
           <a:p>
             <a:fld id="{5BCAD085-E8A6-8845-BD4E-CB4CCA059FC4}" type="datetimeFigureOut">
               <a:rPr lang="en-US" smtClean="0"/>
-              <a:t>8/26/2025</a:t>
+              <a:t>8/29/2025</a:t>
             </a:fld>
             <a:endParaRPr lang="en-US"/>
           </a:p>
@@ -1358,7 +1354,7 @@
           <a:p>
             <a:fld id="{5BCAD085-E8A6-8845-BD4E-CB4CCA059FC4}" type="datetimeFigureOut">
               <a:rPr lang="en-US" smtClean="0"/>
-              <a:t>8/26/2025</a:t>
+              <a:t>8/29/2025</a:t>
             </a:fld>
             <a:endParaRPr lang="en-US"/>
           </a:p>
@@ -1777,7 +1773,7 @@
           <a:p>
             <a:fld id="{5BCAD085-E8A6-8845-BD4E-CB4CCA059FC4}" type="datetimeFigureOut">
               <a:rPr lang="en-US" smtClean="0"/>
-              <a:t>8/26/2025</a:t>
+              <a:t>8/29/2025</a:t>
             </a:fld>
             <a:endParaRPr lang="en-US"/>
           </a:p>
@@ -1894,7 +1890,7 @@
           <a:p>
             <a:fld id="{5BCAD085-E8A6-8845-BD4E-CB4CCA059FC4}" type="datetimeFigureOut">
               <a:rPr lang="en-US" smtClean="0"/>
-              <a:t>8/26/2025</a:t>
+              <a:t>8/29/2025</a:t>
             </a:fld>
             <a:endParaRPr lang="en-US"/>
           </a:p>
@@ -1989,7 +1985,7 @@
           <a:p>
             <a:fld id="{5BCAD085-E8A6-8845-BD4E-CB4CCA059FC4}" type="datetimeFigureOut">
               <a:rPr lang="en-US" smtClean="0"/>
-              <a:t>8/26/2025</a:t>
+              <a:t>8/29/2025</a:t>
             </a:fld>
             <a:endParaRPr lang="en-US"/>
           </a:p>
@@ -2264,7 +2260,7 @@
           <a:p>
             <a:fld id="{5BCAD085-E8A6-8845-BD4E-CB4CCA059FC4}" type="datetimeFigureOut">
               <a:rPr lang="en-US" smtClean="0"/>
-              <a:t>8/26/2025</a:t>
+              <a:t>8/29/2025</a:t>
             </a:fld>
             <a:endParaRPr lang="en-US"/>
           </a:p>
@@ -2516,7 +2512,7 @@
           <a:p>
             <a:fld id="{5BCAD085-E8A6-8845-BD4E-CB4CCA059FC4}" type="datetimeFigureOut">
               <a:rPr lang="en-US" smtClean="0"/>
-              <a:t>8/26/2025</a:t>
+              <a:t>8/29/2025</a:t>
             </a:fld>
             <a:endParaRPr lang="en-US"/>
           </a:p>
@@ -2727,7 +2723,7 @@
           <a:p>
             <a:fld id="{5BCAD085-E8A6-8845-BD4E-CB4CCA059FC4}" type="datetimeFigureOut">
               <a:rPr lang="en-US" smtClean="0"/>
-              <a:t>8/26/2025</a:t>
+              <a:t>8/29/2025</a:t>
             </a:fld>
             <a:endParaRPr lang="en-US"/>
           </a:p>
@@ -3159,346 +3155,6 @@
 </p:sld>
 </file>
 
-<file path=ppt/slides/slide10.xml><?xml version="1.0" encoding="utf-8"?>
-<p:sld xmlns:a="http://schemas.openxmlformats.org/drawingml/2006/main" xmlns:r="http://schemas.openxmlformats.org/officeDocument/2006/relationships" xmlns:p="http://schemas.openxmlformats.org/presentationml/2006/main">
-  <p:cSld>
-    <p:spTree>
-      <p:nvGrpSpPr>
-        <p:cNvPr id="1" name=""/>
-        <p:cNvGrpSpPr/>
-        <p:nvPr/>
-      </p:nvGrpSpPr>
-      <p:grpSpPr>
-        <a:xfrm>
-          <a:off x="0" y="0"/>
-          <a:ext cx="0" cy="0"/>
-          <a:chOff x="0" y="0"/>
-          <a:chExt cx="0" cy="0"/>
-        </a:xfrm>
-      </p:grpSpPr>
-      <p:sp>
-        <p:nvSpPr>
-          <p:cNvPr id="2" name="Title 1"/>
-          <p:cNvSpPr>
-            <a:spLocks noGrp="1"/>
-          </p:cNvSpPr>
-          <p:nvPr>
-            <p:ph type="title"/>
-          </p:nvPr>
-        </p:nvSpPr>
-        <p:spPr/>
-        <p:txBody>
-          <a:bodyPr/>
-          <a:lstStyle/>
-          <a:p>
-            <a:r>
-              <a:t>MSY Comparison</a:t>
-            </a:r>
-          </a:p>
-        </p:txBody>
-      </p:sp>
-      <p:pic>
-        <p:nvPicPr>
-          <p:cNvPr id="3" name="Picture 2" descr="Model_Comparison_Report_Page_08.png"/>
-          <p:cNvPicPr>
-            <a:picLocks noChangeAspect="1"/>
-          </p:cNvPicPr>
-          <p:nvPr/>
-        </p:nvPicPr>
-        <p:blipFill>
-          <a:blip r:embed="rId2"/>
-          <a:stretch>
-            <a:fillRect/>
-          </a:stretch>
-        </p:blipFill>
-        <p:spPr>
-          <a:xfrm>
-            <a:off x="457200" y="1371600"/>
-            <a:ext cx="7315200" cy="4572000"/>
-          </a:xfrm>
-          <a:prstGeom prst="rect">
-            <a:avLst/>
-          </a:prstGeom>
-        </p:spPr>
-      </p:pic>
-    </p:spTree>
-  </p:cSld>
-  <p:clrMapOvr>
-    <a:masterClrMapping/>
-  </p:clrMapOvr>
-</p:sld>
-</file>
-
-<file path=ppt/slides/slide11.xml><?xml version="1.0" encoding="utf-8"?>
-<p:sld xmlns:a="http://schemas.openxmlformats.org/drawingml/2006/main" xmlns:r="http://schemas.openxmlformats.org/officeDocument/2006/relationships" xmlns:p="http://schemas.openxmlformats.org/presentationml/2006/main">
-  <p:cSld>
-    <p:spTree>
-      <p:nvGrpSpPr>
-        <p:cNvPr id="1" name=""/>
-        <p:cNvGrpSpPr/>
-        <p:nvPr/>
-      </p:nvGrpSpPr>
-      <p:grpSpPr>
-        <a:xfrm>
-          <a:off x="0" y="0"/>
-          <a:ext cx="0" cy="0"/>
-          <a:chOff x="0" y="0"/>
-          <a:chExt cx="0" cy="0"/>
-        </a:xfrm>
-      </p:grpSpPr>
-      <p:sp>
-        <p:nvSpPr>
-          <p:cNvPr id="2" name="Title 1"/>
-          <p:cNvSpPr>
-            <a:spLocks noGrp="1"/>
-          </p:cNvSpPr>
-          <p:nvPr>
-            <p:ph type="title"/>
-          </p:nvPr>
-        </p:nvSpPr>
-        <p:spPr/>
-        <p:txBody>
-          <a:bodyPr/>
-          <a:lstStyle/>
-          <a:p>
-            <a:r>
-              <a:t>Unfished Spawning Biomass</a:t>
-            </a:r>
-          </a:p>
-        </p:txBody>
-      </p:sp>
-      <p:pic>
-        <p:nvPicPr>
-          <p:cNvPr id="3" name="Picture 2" descr="Model_Comparison_Report_Page_09.png"/>
-          <p:cNvPicPr>
-            <a:picLocks noChangeAspect="1"/>
-          </p:cNvPicPr>
-          <p:nvPr/>
-        </p:nvPicPr>
-        <p:blipFill>
-          <a:blip r:embed="rId2"/>
-          <a:stretch>
-            <a:fillRect/>
-          </a:stretch>
-        </p:blipFill>
-        <p:spPr>
-          <a:xfrm>
-            <a:off x="457200" y="1371600"/>
-            <a:ext cx="7315200" cy="4572000"/>
-          </a:xfrm>
-          <a:prstGeom prst="rect">
-            <a:avLst/>
-          </a:prstGeom>
-        </p:spPr>
-      </p:pic>
-    </p:spTree>
-  </p:cSld>
-  <p:clrMapOvr>
-    <a:masterClrMapping/>
-  </p:clrMapOvr>
-</p:sld>
-</file>
-
-<file path=ppt/slides/slide12.xml><?xml version="1.0" encoding="utf-8"?>
-<p:sld xmlns:a="http://schemas.openxmlformats.org/drawingml/2006/main" xmlns:r="http://schemas.openxmlformats.org/officeDocument/2006/relationships" xmlns:p="http://schemas.openxmlformats.org/presentationml/2006/main">
-  <p:cSld>
-    <p:spTree>
-      <p:nvGrpSpPr>
-        <p:cNvPr id="1" name=""/>
-        <p:cNvGrpSpPr/>
-        <p:nvPr/>
-      </p:nvGrpSpPr>
-      <p:grpSpPr>
-        <a:xfrm>
-          <a:off x="0" y="0"/>
-          <a:ext cx="0" cy="0"/>
-          <a:chOff x="0" y="0"/>
-          <a:chExt cx="0" cy="0"/>
-        </a:xfrm>
-      </p:grpSpPr>
-      <p:sp>
-        <p:nvSpPr>
-          <p:cNvPr id="2" name="Title 1">
-            <a:extLst>
-              <a:ext uri="{FF2B5EF4-FFF2-40B4-BE49-F238E27FC236}">
-                <a16:creationId xmlns:a16="http://schemas.microsoft.com/office/drawing/2014/main" id="{FB3D7F78-0ABA-443C-9DEF-2A2B6A00C907}"/>
-              </a:ext>
-            </a:extLst>
-          </p:cNvPr>
-          <p:cNvSpPr>
-            <a:spLocks noGrp="1"/>
-          </p:cNvSpPr>
-          <p:nvPr>
-            <p:ph type="title"/>
-          </p:nvPr>
-        </p:nvSpPr>
-        <p:spPr/>
-        <p:txBody>
-          <a:bodyPr/>
-          <a:lstStyle/>
-          <a:p>
-            <a:endParaRPr lang="en-US"/>
-          </a:p>
-        </p:txBody>
-      </p:sp>
-      <p:pic>
-        <p:nvPicPr>
-          <p:cNvPr id="4" name="Picture 3">
-            <a:extLst>
-              <a:ext uri="{FF2B5EF4-FFF2-40B4-BE49-F238E27FC236}">
-                <a16:creationId xmlns:a16="http://schemas.microsoft.com/office/drawing/2014/main" id="{EDB31F6E-8E9F-4C58-BAE9-52C4A60403C2}"/>
-              </a:ext>
-            </a:extLst>
-          </p:cNvPr>
-          <p:cNvPicPr>
-            <a:picLocks noChangeAspect="1"/>
-          </p:cNvPicPr>
-          <p:nvPr/>
-        </p:nvPicPr>
-        <p:blipFill>
-          <a:blip r:embed="rId2"/>
-          <a:stretch>
-            <a:fillRect/>
-          </a:stretch>
-        </p:blipFill>
-        <p:spPr>
-          <a:xfrm>
-            <a:off x="290941" y="1745672"/>
-            <a:ext cx="4478667" cy="3200400"/>
-          </a:xfrm>
-          <a:prstGeom prst="rect">
-            <a:avLst/>
-          </a:prstGeom>
-        </p:spPr>
-      </p:pic>
-      <p:pic>
-        <p:nvPicPr>
-          <p:cNvPr id="6" name="Picture 5">
-            <a:extLst>
-              <a:ext uri="{FF2B5EF4-FFF2-40B4-BE49-F238E27FC236}">
-                <a16:creationId xmlns:a16="http://schemas.microsoft.com/office/drawing/2014/main" id="{D2A4289E-1D31-43B9-BC63-35868E748401}"/>
-              </a:ext>
-            </a:extLst>
-          </p:cNvPr>
-          <p:cNvPicPr>
-            <a:picLocks noChangeAspect="1"/>
-          </p:cNvPicPr>
-          <p:nvPr/>
-        </p:nvPicPr>
-        <p:blipFill>
-          <a:blip r:embed="rId3"/>
-          <a:stretch>
-            <a:fillRect/>
-          </a:stretch>
-        </p:blipFill>
-        <p:spPr>
-          <a:xfrm>
-            <a:off x="4809366" y="1745672"/>
-            <a:ext cx="4295605" cy="3200400"/>
-          </a:xfrm>
-          <a:prstGeom prst="rect">
-            <a:avLst/>
-          </a:prstGeom>
-        </p:spPr>
-      </p:pic>
-    </p:spTree>
-    <p:extLst>
-      <p:ext uri="{BB962C8B-B14F-4D97-AF65-F5344CB8AC3E}">
-        <p14:creationId xmlns:p14="http://schemas.microsoft.com/office/powerpoint/2010/main" val="1121870328"/>
-      </p:ext>
-    </p:extLst>
-  </p:cSld>
-  <p:clrMapOvr>
-    <a:masterClrMapping/>
-  </p:clrMapOvr>
-</p:sld>
-</file>
-
-<file path=ppt/slides/slide13.xml><?xml version="1.0" encoding="utf-8"?>
-<p:sld xmlns:a="http://schemas.openxmlformats.org/drawingml/2006/main" xmlns:r="http://schemas.openxmlformats.org/officeDocument/2006/relationships" xmlns:p="http://schemas.openxmlformats.org/presentationml/2006/main">
-  <p:cSld>
-    <p:spTree>
-      <p:nvGrpSpPr>
-        <p:cNvPr id="1" name=""/>
-        <p:cNvGrpSpPr/>
-        <p:nvPr/>
-      </p:nvGrpSpPr>
-      <p:grpSpPr>
-        <a:xfrm>
-          <a:off x="0" y="0"/>
-          <a:ext cx="0" cy="0"/>
-          <a:chOff x="0" y="0"/>
-          <a:chExt cx="0" cy="0"/>
-        </a:xfrm>
-      </p:grpSpPr>
-      <p:sp>
-        <p:nvSpPr>
-          <p:cNvPr id="2" name="Title 1">
-            <a:extLst>
-              <a:ext uri="{FF2B5EF4-FFF2-40B4-BE49-F238E27FC236}">
-                <a16:creationId xmlns:a16="http://schemas.microsoft.com/office/drawing/2014/main" id="{9EC0DB9F-A877-4448-A735-93C435361B39}"/>
-              </a:ext>
-            </a:extLst>
-          </p:cNvPr>
-          <p:cNvSpPr>
-            <a:spLocks noGrp="1"/>
-          </p:cNvSpPr>
-          <p:nvPr>
-            <p:ph type="title"/>
-          </p:nvPr>
-        </p:nvSpPr>
-        <p:spPr/>
-        <p:txBody>
-          <a:bodyPr/>
-          <a:lstStyle/>
-          <a:p>
-            <a:endParaRPr lang="en-US"/>
-          </a:p>
-        </p:txBody>
-      </p:sp>
-      <p:pic>
-        <p:nvPicPr>
-          <p:cNvPr id="4" name="Picture 3">
-            <a:extLst>
-              <a:ext uri="{FF2B5EF4-FFF2-40B4-BE49-F238E27FC236}">
-                <a16:creationId xmlns:a16="http://schemas.microsoft.com/office/drawing/2014/main" id="{E736577F-BBF6-4B8C-AA2C-8A44E56F5662}"/>
-              </a:ext>
-            </a:extLst>
-          </p:cNvPr>
-          <p:cNvPicPr>
-            <a:picLocks noChangeAspect="1"/>
-          </p:cNvPicPr>
-          <p:nvPr/>
-        </p:nvPicPr>
-        <p:blipFill>
-          <a:blip r:embed="rId2"/>
-          <a:stretch>
-            <a:fillRect/>
-          </a:stretch>
-        </p:blipFill>
-        <p:spPr>
-          <a:xfrm>
-            <a:off x="457200" y="846138"/>
-            <a:ext cx="8229600" cy="5878286"/>
-          </a:xfrm>
-          <a:prstGeom prst="rect">
-            <a:avLst/>
-          </a:prstGeom>
-        </p:spPr>
-      </p:pic>
-    </p:spTree>
-    <p:extLst>
-      <p:ext uri="{BB962C8B-B14F-4D97-AF65-F5344CB8AC3E}">
-        <p14:creationId xmlns:p14="http://schemas.microsoft.com/office/powerpoint/2010/main" val="2216824968"/>
-      </p:ext>
-    </p:extLst>
-  </p:cSld>
-  <p:clrMapOvr>
-    <a:masterClrMapping/>
-  </p:clrMapOvr>
-</p:sld>
-</file>
-
 <file path=ppt/slides/slide2.xml><?xml version="1.0" encoding="utf-8"?>
 <p:sld xmlns:a="http://schemas.openxmlformats.org/drawingml/2006/main" xmlns:r="http://schemas.openxmlformats.org/officeDocument/2006/relationships" xmlns:p="http://schemas.openxmlformats.org/presentationml/2006/main">
   <p:cSld>
@@ -3634,7 +3290,13 @@
       </p:sp>
       <p:pic>
         <p:nvPicPr>
-          <p:cNvPr id="3" name="Picture 2" descr="output.png"/>
+          <p:cNvPr id="4" name="Picture 3">
+            <a:extLst>
+              <a:ext uri="{FF2B5EF4-FFF2-40B4-BE49-F238E27FC236}">
+                <a16:creationId xmlns:a16="http://schemas.microsoft.com/office/drawing/2014/main" id="{F8D13DB4-4C5D-4636-A9A2-2CF1B6F32D0E}"/>
+              </a:ext>
+            </a:extLst>
+          </p:cNvPr>
           <p:cNvPicPr>
             <a:picLocks noChangeAspect="1"/>
           </p:cNvPicPr>
@@ -3648,8 +3310,8 @@
         </p:blipFill>
         <p:spPr>
           <a:xfrm>
-            <a:off x="457200" y="1371600"/>
-            <a:ext cx="7315200" cy="4746043"/>
+            <a:off x="0" y="1582615"/>
+            <a:ext cx="9144000" cy="5275385"/>
           </a:xfrm>
           <a:prstGeom prst="rect">
             <a:avLst/>
@@ -3704,7 +3366,13 @@
       </p:sp>
       <p:pic>
         <p:nvPicPr>
-          <p:cNvPr id="3" name="Picture 2" descr="output (1).png"/>
+          <p:cNvPr id="3" name="Picture 2">
+            <a:extLst>
+              <a:ext uri="{FF2B5EF4-FFF2-40B4-BE49-F238E27FC236}">
+                <a16:creationId xmlns:a16="http://schemas.microsoft.com/office/drawing/2014/main" id="{39D29692-4E0A-43DF-AC40-8F23D009E2CE}"/>
+              </a:ext>
+            </a:extLst>
+          </p:cNvPr>
           <p:cNvPicPr>
             <a:picLocks noChangeAspect="1"/>
           </p:cNvPicPr>
@@ -3718,8 +3386,8 @@
         </p:blipFill>
         <p:spPr>
           <a:xfrm>
-            <a:off x="457200" y="1371600"/>
-            <a:ext cx="7315200" cy="4743248"/>
+            <a:off x="0" y="1582615"/>
+            <a:ext cx="9144000" cy="5275385"/>
           </a:xfrm>
           <a:prstGeom prst="rect">
             <a:avLst/>
@@ -3774,7 +3442,13 @@
       </p:sp>
       <p:pic>
         <p:nvPicPr>
-          <p:cNvPr id="3" name="Picture 2" descr="output (2).png"/>
+          <p:cNvPr id="4" name="Picture 3">
+            <a:extLst>
+              <a:ext uri="{FF2B5EF4-FFF2-40B4-BE49-F238E27FC236}">
+                <a16:creationId xmlns:a16="http://schemas.microsoft.com/office/drawing/2014/main" id="{44B07F32-CEBA-42D8-BA1F-52049AE6E7B9}"/>
+              </a:ext>
+            </a:extLst>
+          </p:cNvPr>
           <p:cNvPicPr>
             <a:picLocks noChangeAspect="1"/>
           </p:cNvPicPr>
@@ -3788,8 +3462,8 @@
         </p:blipFill>
         <p:spPr>
           <a:xfrm>
-            <a:off x="457200" y="1371600"/>
-            <a:ext cx="7315200" cy="4746043"/>
+            <a:off x="0" y="1582615"/>
+            <a:ext cx="9144000" cy="5275385"/>
           </a:xfrm>
           <a:prstGeom prst="rect">
             <a:avLst/>
@@ -3856,7 +3530,7 @@
           <p:cNvPr id="4" name="Picture 3">
             <a:extLst>
               <a:ext uri="{FF2B5EF4-FFF2-40B4-BE49-F238E27FC236}">
-                <a16:creationId xmlns:a16="http://schemas.microsoft.com/office/drawing/2014/main" id="{CBA32C5C-B535-4857-B256-BDEAA3D9BD54}"/>
+                <a16:creationId xmlns:a16="http://schemas.microsoft.com/office/drawing/2014/main" id="{0E92998B-7325-4794-A98B-2A58986019CB}"/>
               </a:ext>
             </a:extLst>
           </p:cNvPr>
@@ -3873,8 +3547,8 @@
         </p:blipFill>
         <p:spPr>
           <a:xfrm>
-            <a:off x="58189" y="1553788"/>
-            <a:ext cx="7315200" cy="4243370"/>
+            <a:off x="0" y="1582615"/>
+            <a:ext cx="9144000" cy="5275385"/>
           </a:xfrm>
           <a:prstGeom prst="rect">
             <a:avLst/>
@@ -3924,34 +3598,40 @@
         <p:spPr/>
         <p:txBody>
           <a:bodyPr>
-            <a:normAutofit fontScale="90000"/>
+            <a:normAutofit/>
           </a:bodyPr>
           <a:lstStyle/>
           <a:p>
             <a:r>
-              <a:t>Fleet-specific Fishing Mortality (EXPLOITATION report:14)</a:t>
+              <a:rPr dirty="0"/>
+              <a:t>Fleet-specific Fishing Mortality</a:t>
             </a:r>
           </a:p>
         </p:txBody>
       </p:sp>
       <p:pic>
         <p:nvPicPr>
-          <p:cNvPr id="3" name="Picture 2" descr="output (26).png"/>
+          <p:cNvPr id="4" name="Picture 3">
+            <a:extLst>
+              <a:ext uri="{FF2B5EF4-FFF2-40B4-BE49-F238E27FC236}">
+                <a16:creationId xmlns:a16="http://schemas.microsoft.com/office/drawing/2014/main" id="{9FCB25A6-8069-489D-8E3F-3B923CBBB69F}"/>
+              </a:ext>
+            </a:extLst>
+          </p:cNvPr>
           <p:cNvPicPr>
             <a:picLocks noChangeAspect="1"/>
           </p:cNvPicPr>
           <p:nvPr/>
         </p:nvPicPr>
-        <p:blipFill>
+        <p:blipFill rotWithShape="1">
           <a:blip r:embed="rId2"/>
-          <a:stretch>
-            <a:fillRect/>
-          </a:stretch>
+          <a:srcRect t="7065"/>
+          <a:stretch/>
         </p:blipFill>
         <p:spPr>
           <a:xfrm>
-            <a:off x="1487978" y="1371600"/>
-            <a:ext cx="5486400" cy="5443538"/>
+            <a:off x="1763852" y="1203569"/>
+            <a:ext cx="5616295" cy="5654431"/>
           </a:xfrm>
           <a:prstGeom prst="rect">
             <a:avLst/>
@@ -4001,14 +3681,26 @@
           <a:lstStyle/>
           <a:p>
             <a:r>
-              <a:t>Catch-weighted F vs SSB — Domestic Fisheries</a:t>
-            </a:r>
+              <a:rPr lang="en-US" dirty="0"/>
+              <a:t>Unfished spawning biomass and equilibrium Catch</a:t>
+            </a:r>
+            <a:r>
+              <a:rPr lang="en-US" baseline="-25000" dirty="0"/>
+              <a:t>40%</a:t>
+            </a:r>
+            <a:endParaRPr baseline="-25000" dirty="0"/>
           </a:p>
         </p:txBody>
       </p:sp>
       <p:pic>
         <p:nvPicPr>
-          <p:cNvPr id="3" name="Picture 2" descr="output (21).png"/>
+          <p:cNvPr id="4" name="Picture 3">
+            <a:extLst>
+              <a:ext uri="{FF2B5EF4-FFF2-40B4-BE49-F238E27FC236}">
+                <a16:creationId xmlns:a16="http://schemas.microsoft.com/office/drawing/2014/main" id="{09FCC18D-135E-4815-9E5A-009F775289EF}"/>
+              </a:ext>
+            </a:extLst>
+          </p:cNvPr>
           <p:cNvPicPr>
             <a:picLocks noChangeAspect="1"/>
           </p:cNvPicPr>
@@ -4022,38 +3714,8 @@
         </p:blipFill>
         <p:spPr>
           <a:xfrm>
-            <a:off x="457200" y="1371600"/>
-            <a:ext cx="5486400" cy="2903934"/>
-          </a:xfrm>
-          <a:prstGeom prst="rect">
-            <a:avLst/>
-          </a:prstGeom>
-        </p:spPr>
-      </p:pic>
-      <p:pic>
-        <p:nvPicPr>
-          <p:cNvPr id="4" name="Picture 3">
-            <a:extLst>
-              <a:ext uri="{FF2B5EF4-FFF2-40B4-BE49-F238E27FC236}">
-                <a16:creationId xmlns:a16="http://schemas.microsoft.com/office/drawing/2014/main" id="{19F502AB-93F3-49B0-A99A-41418408334E}"/>
-              </a:ext>
-            </a:extLst>
-          </p:cNvPr>
-          <p:cNvPicPr>
-            <a:picLocks noChangeAspect="1"/>
-          </p:cNvPicPr>
-          <p:nvPr/>
-        </p:nvPicPr>
-        <p:blipFill>
-          <a:blip r:embed="rId3"/>
-          <a:stretch>
-            <a:fillRect/>
-          </a:stretch>
-        </p:blipFill>
-        <p:spPr>
-          <a:xfrm>
-            <a:off x="457200" y="4620006"/>
-            <a:ext cx="5486400" cy="1732788"/>
+            <a:off x="0" y="2701044"/>
+            <a:ext cx="9144000" cy="4050619"/>
           </a:xfrm>
           <a:prstGeom prst="rect">
             <a:avLst/>
@@ -4087,7 +3749,13 @@
       </p:grpSpPr>
       <p:sp>
         <p:nvSpPr>
-          <p:cNvPr id="2" name="Title 1"/>
+          <p:cNvPr id="2" name="Title 1">
+            <a:extLst>
+              <a:ext uri="{FF2B5EF4-FFF2-40B4-BE49-F238E27FC236}">
+                <a16:creationId xmlns:a16="http://schemas.microsoft.com/office/drawing/2014/main" id="{9EC0DB9F-A877-4448-A735-93C435361B39}"/>
+              </a:ext>
+            </a:extLst>
+          </p:cNvPr>
           <p:cNvSpPr>
             <a:spLocks noGrp="1"/>
           </p:cNvSpPr>
@@ -4095,28 +3763,27 @@
             <p:ph type="title"/>
           </p:nvPr>
         </p:nvSpPr>
-        <p:spPr>
-          <a:xfrm>
-            <a:off x="457200" y="274638"/>
-            <a:ext cx="8229600" cy="789391"/>
-          </a:xfrm>
-        </p:spPr>
-        <p:txBody>
-          <a:bodyPr>
-            <a:normAutofit/>
-          </a:bodyPr>
-          <a:lstStyle/>
-          <a:p>
-            <a:r>
-              <a:rPr dirty="0"/>
-              <a:t>Schaefer Production Fits</a:t>
+        <p:spPr/>
+        <p:txBody>
+          <a:bodyPr/>
+          <a:lstStyle/>
+          <a:p>
+            <a:r>
+              <a:rPr lang="en-US"/>
+              <a:t>Growth parameters</a:t>
             </a:r>
           </a:p>
         </p:txBody>
       </p:sp>
       <p:pic>
         <p:nvPicPr>
-          <p:cNvPr id="3" name="Picture 2" descr="output (15).png"/>
+          <p:cNvPr id="4" name="Picture 3">
+            <a:extLst>
+              <a:ext uri="{FF2B5EF4-FFF2-40B4-BE49-F238E27FC236}">
+                <a16:creationId xmlns:a16="http://schemas.microsoft.com/office/drawing/2014/main" id="{49BF4A4D-81C1-4968-A4C0-2E5B648E3B40}"/>
+              </a:ext>
+            </a:extLst>
+          </p:cNvPr>
           <p:cNvPicPr>
             <a:picLocks noChangeAspect="1"/>
           </p:cNvPicPr>
@@ -4130,38 +3797,8 @@
         </p:blipFill>
         <p:spPr>
           <a:xfrm>
-            <a:off x="457200" y="1107605"/>
-            <a:ext cx="6558742" cy="3471521"/>
-          </a:xfrm>
-          <a:prstGeom prst="rect">
-            <a:avLst/>
-          </a:prstGeom>
-        </p:spPr>
-      </p:pic>
-      <p:pic>
-        <p:nvPicPr>
-          <p:cNvPr id="9" name="Picture 8">
-            <a:extLst>
-              <a:ext uri="{FF2B5EF4-FFF2-40B4-BE49-F238E27FC236}">
-                <a16:creationId xmlns:a16="http://schemas.microsoft.com/office/drawing/2014/main" id="{A240ADFC-8A70-4A67-BFC9-1C76230AB40E}"/>
-              </a:ext>
-            </a:extLst>
-          </p:cNvPr>
-          <p:cNvPicPr>
-            <a:picLocks noChangeAspect="1"/>
-          </p:cNvPicPr>
-          <p:nvPr/>
-        </p:nvPicPr>
-        <p:blipFill>
-          <a:blip r:embed="rId3"/>
-          <a:stretch>
-            <a:fillRect/>
-          </a:stretch>
-        </p:blipFill>
-        <p:spPr>
-          <a:xfrm>
-            <a:off x="457200" y="4844283"/>
-            <a:ext cx="4738255" cy="1812223"/>
+            <a:off x="0" y="1143000"/>
+            <a:ext cx="9144000" cy="5715000"/>
           </a:xfrm>
           <a:prstGeom prst="rect">
             <a:avLst/>
@@ -4169,6 +3806,11 @@
         </p:spPr>
       </p:pic>
     </p:spTree>
+    <p:extLst>
+      <p:ext uri="{BB962C8B-B14F-4D97-AF65-F5344CB8AC3E}">
+        <p14:creationId xmlns:p14="http://schemas.microsoft.com/office/powerpoint/2010/main" val="2216824968"/>
+      </p:ext>
+    </p:extLst>
   </p:cSld>
   <p:clrMapOvr>
     <a:masterClrMapping/>
